--- a/SSCP - Incident Response.pptx
+++ b/SSCP - Incident Response.pptx
@@ -8466,7 +8466,7 @@
           <a:p>
             <a:r>
               <a:rPr lang="en-US" dirty="0"/>
-              <a:t>Title Layout</a:t>
+              <a:t>Incident Response and Recovery</a:t>
             </a:r>
           </a:p>
         </p:txBody>
@@ -8488,7 +8488,7 @@
           <a:p>
             <a:r>
               <a:rPr lang="it-IT" dirty="0"/>
-              <a:t>Subtitle</a:t>
+              <a:t>System security certified practitioner</a:t>
             </a:r>
           </a:p>
         </p:txBody>
@@ -8748,10 +8748,9 @@
           <a:lstStyle/>
           <a:p>
             <a:r>
-              <a:rPr lang="en-US"/>
-              <a:t>Title and Content Layout with List</a:t>
+              <a:rPr lang="en-US" dirty="0"/>
+              <a:t>Scope</a:t>
             </a:r>
-            <a:endParaRPr lang="en-US" dirty="0"/>
           </a:p>
         </p:txBody>
       </p:sp>
@@ -8771,22 +8770,21 @@
           <a:lstStyle/>
           <a:p>
             <a:r>
-              <a:rPr lang="en-US"/>
-              <a:t>Add your first bullet point here</a:t>
+              <a:rPr lang="en-US" dirty="0"/>
+              <a:t>Incident Handling</a:t>
             </a:r>
           </a:p>
           <a:p>
             <a:r>
-              <a:rPr lang="en-US"/>
-              <a:t>Add your second bullet point here</a:t>
+              <a:rPr lang="en-US" dirty="0"/>
+              <a:t>Forensic Investigations</a:t>
             </a:r>
           </a:p>
           <a:p>
             <a:r>
-              <a:rPr lang="en-US"/>
-              <a:t>Add your third bullet point here</a:t>
+              <a:rPr lang="en-US" dirty="0"/>
+              <a:t>Business Continuity</a:t>
             </a:r>
-            <a:endParaRPr lang="en-US" dirty="0"/>
           </a:p>
         </p:txBody>
       </p:sp>

--- a/SSCP - Incident Response.pptx
+++ b/SSCP - Incident Response.pptx
@@ -4304,7 +4304,7 @@
         </p:nvSpPr>
         <p:spPr>
           <a:xfrm>
-            <a:off x="1522413" y="1052736"/>
+            <a:off x="1522413" y="1258415"/>
             <a:ext cx="9134391" cy="4114801"/>
           </a:xfrm>
         </p:spPr>
@@ -5009,7 +5009,7 @@
         <p:spPr>
           <a:xfrm>
             <a:off x="1197868" y="1628800"/>
-            <a:ext cx="7988084" cy="1477328"/>
+            <a:ext cx="10496784" cy="3416320"/>
           </a:xfrm>
           <a:prstGeom prst="rect">
             <a:avLst/>
@@ -5027,8 +5027,48 @@
               <a:buChar char="•"/>
             </a:pPr>
             <a:r>
-              <a:rPr lang="en-US" dirty="0"/>
+              <a:rPr lang="en-US" sz="2400" dirty="0"/>
               <a:t>Planning, preparatory and related activities to ensure critical business functions</a:t>
+            </a:r>
+          </a:p>
+          <a:p>
+            <a:pPr marL="742950" lvl="1" indent="-285750">
+              <a:buFont typeface="Arial" panose="020B0604020202020204" pitchFamily="34" charset="0"/>
+              <a:buChar char="•"/>
+            </a:pPr>
+            <a:r>
+              <a:rPr lang="en-US" sz="2400" dirty="0"/>
+              <a:t>Staff training</a:t>
+            </a:r>
+          </a:p>
+          <a:p>
+            <a:pPr marL="742950" lvl="1" indent="-285750">
+              <a:buFont typeface="Arial" panose="020B0604020202020204" pitchFamily="34" charset="0"/>
+              <a:buChar char="•"/>
+            </a:pPr>
+            <a:r>
+              <a:rPr lang="en-US" sz="2400" dirty="0"/>
+              <a:t>Table-top simulations</a:t>
+            </a:r>
+          </a:p>
+          <a:p>
+            <a:pPr marL="742950" lvl="1" indent="-285750">
+              <a:buFont typeface="Arial" panose="020B0604020202020204" pitchFamily="34" charset="0"/>
+              <a:buChar char="•"/>
+            </a:pPr>
+            <a:r>
+              <a:rPr lang="en-US" sz="2400" dirty="0"/>
+              <a:t>Test backup/recovery procedures regularly</a:t>
+            </a:r>
+          </a:p>
+          <a:p>
+            <a:pPr marL="742950" lvl="1" indent="-285750">
+              <a:buFont typeface="Arial" panose="020B0604020202020204" pitchFamily="34" charset="0"/>
+              <a:buChar char="•"/>
+            </a:pPr>
+            <a:r>
+              <a:rPr lang="en-US" sz="2400" dirty="0"/>
+              <a:t>Review and update plans</a:t>
             </a:r>
           </a:p>
           <a:p>
@@ -5036,7 +5076,7 @@
               <a:buFont typeface="Arial" panose="020B0604020202020204" pitchFamily="34" charset="0"/>
               <a:buChar char="•"/>
             </a:pPr>
-            <a:endParaRPr lang="en-US" dirty="0"/>
+            <a:endParaRPr lang="en-US" sz="2400" dirty="0"/>
           </a:p>
           <a:p>
             <a:pPr marL="285750" indent="-285750">
@@ -5044,7 +5084,7 @@
               <a:buChar char="•"/>
             </a:pPr>
             <a:r>
-              <a:rPr lang="en-US" dirty="0"/>
+              <a:rPr lang="en-US" sz="2400" dirty="0"/>
               <a:t>Continue to operate despite serious incidents or disasters</a:t>
             </a:r>
           </a:p>
@@ -5053,7 +5093,7 @@
               <a:buFont typeface="Arial" panose="020B0604020202020204" pitchFamily="34" charset="0"/>
               <a:buChar char="•"/>
             </a:pPr>
-            <a:endParaRPr lang="en-US" dirty="0"/>
+            <a:endParaRPr lang="en-US" sz="2400" dirty="0"/>
           </a:p>
           <a:p>
             <a:pPr marL="285750" indent="-285750">
@@ -5061,10 +5101,10 @@
               <a:buChar char="•"/>
             </a:pPr>
             <a:r>
-              <a:rPr lang="en-US" dirty="0"/>
+              <a:rPr lang="en-US" sz="2400" dirty="0"/>
               <a:t>Will be recovered to an operational state within a reasonably short period</a:t>
             </a:r>
-            <a:endParaRPr lang="en-AU" dirty="0"/>
+            <a:endParaRPr lang="en-AU" sz="2400" dirty="0"/>
           </a:p>
         </p:txBody>
       </p:sp>

--- a/SSCP - Incident Response.pptx
+++ b/SSCP - Incident Response.pptx
@@ -223,7 +223,7 @@
           <a:p>
             <a:fld id="{59088EAF-6ECA-4616-85EF-35AA19C641F3}" type="datetimeFigureOut">
               <a:rPr lang="en-US"/>
-              <a:t>6/16/2020</a:t>
+              <a:t>6/17/2020</a:t>
             </a:fld>
             <a:endParaRPr/>
           </a:p>
@@ -388,7 +388,7 @@
           <a:p>
             <a:fld id="{3ABD2D7A-D230-4F91-BD59-0A39C2703BA8}" type="datetimeFigureOut">
               <a:rPr lang="en-US"/>
-              <a:t>6/16/2020</a:t>
+              <a:t>6/17/2020</a:t>
             </a:fld>
             <a:endParaRPr/>
           </a:p>
@@ -1208,7 +1208,7 @@
           <a:p>
             <a:fld id="{03F41C87-7AD9-4845-A077-840E4A0F3F06}" type="datetimeFigureOut">
               <a:rPr lang="en-US"/>
-              <a:t>6/16/2020</a:t>
+              <a:t>6/17/2020</a:t>
             </a:fld>
             <a:endParaRPr/>
           </a:p>
@@ -1400,7 +1400,7 @@
           <a:p>
             <a:fld id="{03F41C87-7AD9-4845-A077-840E4A0F3F06}" type="datetimeFigureOut">
               <a:rPr lang="en-US"/>
-              <a:t>6/16/2020</a:t>
+              <a:t>6/17/2020</a:t>
             </a:fld>
             <a:endParaRPr/>
           </a:p>
@@ -1589,7 +1589,7 @@
           <a:p>
             <a:fld id="{03F41C87-7AD9-4845-A077-840E4A0F3F06}" type="datetimeFigureOut">
               <a:rPr lang="en-US"/>
-              <a:t>6/16/2020</a:t>
+              <a:t>6/17/2020</a:t>
             </a:fld>
             <a:endParaRPr/>
           </a:p>
@@ -1869,7 +1869,7 @@
           <a:p>
             <a:fld id="{03F41C87-7AD9-4845-A077-840E4A0F3F06}" type="datetimeFigureOut">
               <a:rPr lang="en-US"/>
-              <a:t>6/16/2020</a:t>
+              <a:t>6/17/2020</a:t>
             </a:fld>
             <a:endParaRPr/>
           </a:p>
@@ -2173,7 +2173,7 @@
           <a:p>
             <a:fld id="{03F41C87-7AD9-4845-A077-840E4A0F3F06}" type="datetimeFigureOut">
               <a:rPr lang="en-US"/>
-              <a:t>6/16/2020</a:t>
+              <a:t>6/17/2020</a:t>
             </a:fld>
             <a:endParaRPr/>
           </a:p>
@@ -2629,7 +2629,7 @@
           <a:p>
             <a:fld id="{03F41C87-7AD9-4845-A077-840E4A0F3F06}" type="datetimeFigureOut">
               <a:rPr lang="en-US"/>
-              <a:t>6/16/2020</a:t>
+              <a:t>6/17/2020</a:t>
             </a:fld>
             <a:endParaRPr/>
           </a:p>
@@ -2759,7 +2759,7 @@
           <a:p>
             <a:fld id="{03F41C87-7AD9-4845-A077-840E4A0F3F06}" type="datetimeFigureOut">
               <a:rPr lang="en-US"/>
-              <a:t>6/16/2020</a:t>
+              <a:t>6/17/2020</a:t>
             </a:fld>
             <a:endParaRPr/>
           </a:p>
@@ -2874,7 +2874,7 @@
           <a:p>
             <a:fld id="{03F41C87-7AD9-4845-A077-840E4A0F3F06}" type="datetimeFigureOut">
               <a:rPr lang="en-US"/>
-              <a:t>6/16/2020</a:t>
+              <a:t>6/17/2020</a:t>
             </a:fld>
             <a:endParaRPr/>
           </a:p>
@@ -3196,7 +3196,7 @@
           <a:p>
             <a:fld id="{03F41C87-7AD9-4845-A077-840E4A0F3F06}" type="datetimeFigureOut">
               <a:rPr lang="en-US"/>
-              <a:t>6/16/2020</a:t>
+              <a:t>6/17/2020</a:t>
             </a:fld>
             <a:endParaRPr/>
           </a:p>
@@ -3508,7 +3508,7 @@
             <a:fld id="{03F41C87-7AD9-4845-A077-840E4A0F3F06}" type="datetimeFigureOut">
               <a:rPr lang="en-US"/>
               <a:pPr/>
-              <a:t>6/16/2020</a:t>
+              <a:t>6/17/2020</a:t>
             </a:fld>
             <a:endParaRPr/>
           </a:p>
@@ -3762,7 +3762,7 @@
             <a:fld id="{03F41C87-7AD9-4845-A077-840E4A0F3F06}" type="datetimeFigureOut">
               <a:rPr lang="en-US" smtClean="0"/>
               <a:pPr/>
-              <a:t>6/16/2020</a:t>
+              <a:t>6/17/2020</a:t>
             </a:fld>
             <a:endParaRPr lang="en-US"/>
           </a:p>
@@ -5162,17 +5162,22 @@
         </p:nvSpPr>
         <p:spPr>
           <a:xfrm>
-            <a:off x="1522411" y="188640"/>
-            <a:ext cx="9144001" cy="1371600"/>
+            <a:off x="1522411" y="2276872"/>
+            <a:ext cx="9144001" cy="651520"/>
           </a:xfrm>
         </p:spPr>
         <p:txBody>
-          <a:bodyPr/>
-          <a:lstStyle/>
-          <a:p>
-            <a:r>
+          <a:bodyPr>
+            <a:normAutofit fontScale="90000"/>
+          </a:bodyPr>
+          <a:lstStyle/>
+          <a:p>
+            <a:br>
               <a:rPr lang="en-US" dirty="0"/>
-              <a:t>Incident Response Toolkit</a:t>
+            </a:br>
+            <a:r>
+              <a:rPr lang="en-US" dirty="0"/>
+              <a:t>Reactive - Incident Response Toolkit</a:t>
             </a:r>
           </a:p>
         </p:txBody>
@@ -5191,7 +5196,7 @@
         </p:nvSpPr>
         <p:spPr>
           <a:xfrm>
-            <a:off x="1917948" y="1755133"/>
+            <a:off x="1917948" y="3068960"/>
             <a:ext cx="5482976" cy="3108543"/>
           </a:xfrm>
           <a:prstGeom prst="rect">
@@ -5272,6 +5277,112 @@
             <a:r>
               <a:rPr lang="en-AU" sz="2800" dirty="0"/>
               <a:t>Coordination and Communication</a:t>
+            </a:r>
+          </a:p>
+        </p:txBody>
+      </p:sp>
+      <p:sp>
+        <p:nvSpPr>
+          <p:cNvPr id="5" name="Title 1">
+            <a:extLst>
+              <a:ext uri="{FF2B5EF4-FFF2-40B4-BE49-F238E27FC236}">
+                <a16:creationId xmlns:a16="http://schemas.microsoft.com/office/drawing/2014/main" id="{1B4038E2-5070-479C-8D19-BF337119AB59}"/>
+              </a:ext>
+            </a:extLst>
+          </p:cNvPr>
+          <p:cNvSpPr txBox="1">
+            <a:spLocks/>
+          </p:cNvSpPr>
+          <p:nvPr/>
+        </p:nvSpPr>
+        <p:spPr>
+          <a:xfrm>
+            <a:off x="1558923" y="476672"/>
+            <a:ext cx="9144001" cy="651520"/>
+          </a:xfrm>
+          <a:prstGeom prst="rect">
+            <a:avLst/>
+          </a:prstGeom>
+        </p:spPr>
+        <p:txBody>
+          <a:bodyPr vert="horz" lIns="91440" tIns="45720" rIns="91440" bIns="45720" rtlCol="0" anchor="b">
+            <a:normAutofit fontScale="75000" lnSpcReduction="20000"/>
+          </a:bodyPr>
+          <a:lstStyle>
+            <a:lvl1pPr algn="l" defTabSz="914400" rtl="0" eaLnBrk="1" latinLnBrk="0" hangingPunct="1">
+              <a:lnSpc>
+                <a:spcPct val="90000"/>
+              </a:lnSpc>
+              <a:spcBef>
+                <a:spcPct val="0"/>
+              </a:spcBef>
+              <a:buNone/>
+              <a:defRPr sz="3600" kern="1200" spc="100" baseline="0">
+                <a:solidFill>
+                  <a:schemeClr val="tx1"/>
+                </a:solidFill>
+                <a:latin typeface="+mj-lt"/>
+                <a:ea typeface="+mj-ea"/>
+                <a:cs typeface="+mj-cs"/>
+              </a:defRPr>
+            </a:lvl1pPr>
+          </a:lstStyle>
+          <a:p>
+            <a:br>
+              <a:rPr lang="en-US" sz="2400" dirty="0"/>
+            </a:br>
+            <a:r>
+              <a:rPr lang="en-US" sz="4000" dirty="0"/>
+              <a:t>Preventative</a:t>
+            </a:r>
+          </a:p>
+        </p:txBody>
+      </p:sp>
+      <p:sp>
+        <p:nvSpPr>
+          <p:cNvPr id="6" name="TextBox 5">
+            <a:extLst>
+              <a:ext uri="{FF2B5EF4-FFF2-40B4-BE49-F238E27FC236}">
+                <a16:creationId xmlns:a16="http://schemas.microsoft.com/office/drawing/2014/main" id="{23F35C93-2A08-4D78-8379-E16E00A93B41}"/>
+              </a:ext>
+            </a:extLst>
+          </p:cNvPr>
+          <p:cNvSpPr txBox="1"/>
+          <p:nvPr/>
+        </p:nvSpPr>
+        <p:spPr>
+          <a:xfrm>
+            <a:off x="1917948" y="1153282"/>
+            <a:ext cx="3976730" cy="954107"/>
+          </a:xfrm>
+          <a:prstGeom prst="rect">
+            <a:avLst/>
+          </a:prstGeom>
+          <a:noFill/>
+        </p:spPr>
+        <p:txBody>
+          <a:bodyPr wrap="none" rtlCol="0">
+            <a:spAutoFit/>
+          </a:bodyPr>
+          <a:lstStyle/>
+          <a:p>
+            <a:pPr marL="285750" indent="-285750">
+              <a:buFont typeface="Arial" panose="020B0604020202020204" pitchFamily="34" charset="0"/>
+              <a:buChar char="•"/>
+            </a:pPr>
+            <a:r>
+              <a:rPr lang="en-AU" sz="2800" dirty="0"/>
+              <a:t>Training and Awareness</a:t>
+            </a:r>
+          </a:p>
+          <a:p>
+            <a:pPr marL="285750" indent="-285750">
+              <a:buFont typeface="Arial" panose="020B0604020202020204" pitchFamily="34" charset="0"/>
+              <a:buChar char="•"/>
+            </a:pPr>
+            <a:r>
+              <a:rPr lang="en-AU" sz="2800" dirty="0"/>
+              <a:t>ASD Essential 8</a:t>
             </a:r>
           </a:p>
         </p:txBody>
@@ -5369,7 +5480,7 @@
         <p:spPr>
           <a:xfrm>
             <a:off x="1125860" y="1844824"/>
-            <a:ext cx="8395568" cy="1292662"/>
+            <a:ext cx="8395568" cy="3447098"/>
           </a:xfrm>
           <a:prstGeom prst="rect">
             <a:avLst/>
@@ -5388,7 +5499,37 @@
             </a:pPr>
             <a:r>
               <a:rPr lang="en-AU" sz="2000" dirty="0"/>
-              <a:t>Develop a toolkit of effective practices consisting of these components</a:t>
+              <a:t>Business Continuity Plan</a:t>
+            </a:r>
+          </a:p>
+          <a:p>
+            <a:pPr marL="1200150" lvl="2" indent="-285750">
+              <a:buFont typeface="Arial" panose="020B0604020202020204" pitchFamily="34" charset="0"/>
+              <a:buChar char="•"/>
+            </a:pPr>
+            <a:r>
+              <a:rPr lang="en-AU" sz="2000" dirty="0"/>
+              <a:t>DRP (Disaster Recovery Plan)</a:t>
+            </a:r>
+          </a:p>
+          <a:p>
+            <a:pPr marL="1200150" lvl="2" indent="-285750">
+              <a:buFont typeface="Arial" panose="020B0604020202020204" pitchFamily="34" charset="0"/>
+              <a:buChar char="•"/>
+            </a:pPr>
+            <a:r>
+              <a:rPr lang="en-AU" sz="2000" dirty="0"/>
+              <a:t>Incident Response Plan</a:t>
+            </a:r>
+          </a:p>
+          <a:p>
+            <a:pPr marL="1200150" lvl="2" indent="-285750">
+              <a:buFont typeface="Arial" panose="020B0604020202020204" pitchFamily="34" charset="0"/>
+              <a:buChar char="•"/>
+            </a:pPr>
+            <a:r>
+              <a:rPr lang="en-AU" sz="2000" dirty="0"/>
+              <a:t>Data Backup Plan</a:t>
             </a:r>
           </a:p>
           <a:p>
@@ -5399,6 +5540,16 @@
             <a:endParaRPr lang="en-AU" sz="2000" dirty="0"/>
           </a:p>
           <a:p>
+            <a:pPr marL="742950" lvl="1" indent="-285750">
+              <a:buFont typeface="Arial" panose="020B0604020202020204" pitchFamily="34" charset="0"/>
+              <a:buChar char="•"/>
+            </a:pPr>
+            <a:r>
+              <a:rPr lang="en-AU" sz="2000" dirty="0"/>
+              <a:t>Develop a toolkit of effective practices consisting of these components</a:t>
+            </a:r>
+          </a:p>
+          <a:p>
             <a:pPr marL="1200150" lvl="2" indent="-285750">
               <a:buFont typeface="Arial" panose="020B0604020202020204" pitchFamily="34" charset="0"/>
               <a:buChar char="•"/>
@@ -5406,6 +5557,33 @@
             <a:r>
               <a:rPr lang="en-AU" sz="2000" dirty="0"/>
               <a:t>Covering before/during/after incidents</a:t>
+            </a:r>
+          </a:p>
+          <a:p>
+            <a:pPr marL="742950" lvl="1" indent="-285750">
+              <a:buFont typeface="Arial" panose="020B0604020202020204" pitchFamily="34" charset="0"/>
+              <a:buChar char="•"/>
+            </a:pPr>
+            <a:endParaRPr lang="en-AU" sz="2000" dirty="0"/>
+          </a:p>
+          <a:p>
+            <a:pPr marL="742950" lvl="1" indent="-285750">
+              <a:buFont typeface="Arial" panose="020B0604020202020204" pitchFamily="34" charset="0"/>
+              <a:buChar char="•"/>
+            </a:pPr>
+            <a:r>
+              <a:rPr lang="en-AU" sz="2000" dirty="0"/>
+              <a:t>Training</a:t>
+            </a:r>
+          </a:p>
+          <a:p>
+            <a:pPr marL="1200150" lvl="2" indent="-285750">
+              <a:buFont typeface="Arial" panose="020B0604020202020204" pitchFamily="34" charset="0"/>
+              <a:buChar char="•"/>
+            </a:pPr>
+            <a:r>
+              <a:rPr lang="en-AU" sz="2000" dirty="0"/>
+              <a:t>Cyber hygiene</a:t>
             </a:r>
           </a:p>
           <a:p>

--- a/SSCP - Incident Response.pptx
+++ b/SSCP - Incident Response.pptx
@@ -223,7 +223,7 @@
           <a:p>
             <a:fld id="{59088EAF-6ECA-4616-85EF-35AA19C641F3}" type="datetimeFigureOut">
               <a:rPr lang="en-US"/>
-              <a:t>6/17/2020</a:t>
+              <a:t>6/18/2020</a:t>
             </a:fld>
             <a:endParaRPr/>
           </a:p>
@@ -388,7 +388,7 @@
           <a:p>
             <a:fld id="{3ABD2D7A-D230-4F91-BD59-0A39C2703BA8}" type="datetimeFigureOut">
               <a:rPr lang="en-US"/>
-              <a:t>6/17/2020</a:t>
+              <a:t>6/18/2020</a:t>
             </a:fld>
             <a:endParaRPr/>
           </a:p>
@@ -1208,7 +1208,7 @@
           <a:p>
             <a:fld id="{03F41C87-7AD9-4845-A077-840E4A0F3F06}" type="datetimeFigureOut">
               <a:rPr lang="en-US"/>
-              <a:t>6/17/2020</a:t>
+              <a:t>6/18/2020</a:t>
             </a:fld>
             <a:endParaRPr/>
           </a:p>
@@ -1400,7 +1400,7 @@
           <a:p>
             <a:fld id="{03F41C87-7AD9-4845-A077-840E4A0F3F06}" type="datetimeFigureOut">
               <a:rPr lang="en-US"/>
-              <a:t>6/17/2020</a:t>
+              <a:t>6/18/2020</a:t>
             </a:fld>
             <a:endParaRPr/>
           </a:p>
@@ -1589,7 +1589,7 @@
           <a:p>
             <a:fld id="{03F41C87-7AD9-4845-A077-840E4A0F3F06}" type="datetimeFigureOut">
               <a:rPr lang="en-US"/>
-              <a:t>6/17/2020</a:t>
+              <a:t>6/18/2020</a:t>
             </a:fld>
             <a:endParaRPr/>
           </a:p>
@@ -1869,7 +1869,7 @@
           <a:p>
             <a:fld id="{03F41C87-7AD9-4845-A077-840E4A0F3F06}" type="datetimeFigureOut">
               <a:rPr lang="en-US"/>
-              <a:t>6/17/2020</a:t>
+              <a:t>6/18/2020</a:t>
             </a:fld>
             <a:endParaRPr/>
           </a:p>
@@ -2173,7 +2173,7 @@
           <a:p>
             <a:fld id="{03F41C87-7AD9-4845-A077-840E4A0F3F06}" type="datetimeFigureOut">
               <a:rPr lang="en-US"/>
-              <a:t>6/17/2020</a:t>
+              <a:t>6/18/2020</a:t>
             </a:fld>
             <a:endParaRPr/>
           </a:p>
@@ -2629,7 +2629,7 @@
           <a:p>
             <a:fld id="{03F41C87-7AD9-4845-A077-840E4A0F3F06}" type="datetimeFigureOut">
               <a:rPr lang="en-US"/>
-              <a:t>6/17/2020</a:t>
+              <a:t>6/18/2020</a:t>
             </a:fld>
             <a:endParaRPr/>
           </a:p>
@@ -2759,7 +2759,7 @@
           <a:p>
             <a:fld id="{03F41C87-7AD9-4845-A077-840E4A0F3F06}" type="datetimeFigureOut">
               <a:rPr lang="en-US"/>
-              <a:t>6/17/2020</a:t>
+              <a:t>6/18/2020</a:t>
             </a:fld>
             <a:endParaRPr/>
           </a:p>
@@ -2874,7 +2874,7 @@
           <a:p>
             <a:fld id="{03F41C87-7AD9-4845-A077-840E4A0F3F06}" type="datetimeFigureOut">
               <a:rPr lang="en-US"/>
-              <a:t>6/17/2020</a:t>
+              <a:t>6/18/2020</a:t>
             </a:fld>
             <a:endParaRPr/>
           </a:p>
@@ -3196,7 +3196,7 @@
           <a:p>
             <a:fld id="{03F41C87-7AD9-4845-A077-840E4A0F3F06}" type="datetimeFigureOut">
               <a:rPr lang="en-US"/>
-              <a:t>6/17/2020</a:t>
+              <a:t>6/18/2020</a:t>
             </a:fld>
             <a:endParaRPr/>
           </a:p>
@@ -3508,7 +3508,7 @@
             <a:fld id="{03F41C87-7AD9-4845-A077-840E4A0F3F06}" type="datetimeFigureOut">
               <a:rPr lang="en-US"/>
               <a:pPr/>
-              <a:t>6/17/2020</a:t>
+              <a:t>6/18/2020</a:t>
             </a:fld>
             <a:endParaRPr/>
           </a:p>
@@ -3762,7 +3762,7 @@
             <a:fld id="{03F41C87-7AD9-4845-A077-840E4A0F3F06}" type="datetimeFigureOut">
               <a:rPr lang="en-US" smtClean="0"/>
               <a:pPr/>
-              <a:t>6/17/2020</a:t>
+              <a:t>6/18/2020</a:t>
             </a:fld>
             <a:endParaRPr lang="en-US"/>
           </a:p>
@@ -4879,12 +4879,41 @@
             <p:ph idx="1"/>
           </p:nvPr>
         </p:nvSpPr>
-        <p:spPr/>
+        <p:spPr>
+          <a:xfrm>
+            <a:off x="1341884" y="1556792"/>
+            <a:ext cx="9134391" cy="4114801"/>
+          </a:xfrm>
+        </p:spPr>
         <p:txBody>
           <a:bodyPr/>
           <a:lstStyle/>
           <a:p>
-            <a:endParaRPr lang="en-AU"/>
+            <a:r>
+              <a:rPr lang="en-US" dirty="0"/>
+              <a:t>identify first responder best practices during forensic investigation activities</a:t>
+            </a:r>
+          </a:p>
+          <a:p>
+            <a:r>
+              <a:rPr lang="en-US" dirty="0"/>
+              <a:t>identify best practices for evidence handling during forensic investigation activities</a:t>
+            </a:r>
+          </a:p>
+          <a:p>
+            <a:r>
+              <a:rPr lang="en-US" dirty="0"/>
+              <a:t>describe characteristics and best practices of chain of custody during forensic investigation activities</a:t>
+            </a:r>
+          </a:p>
+          <a:p>
+            <a:r>
+              <a:rPr lang="en-US" dirty="0"/>
+              <a:t>identify best practices for preservation of scene during forensic investigation activities</a:t>
+            </a:r>
+          </a:p>
+          <a:p>
+            <a:endParaRPr lang="en-AU" dirty="0"/>
           </a:p>
         </p:txBody>
       </p:sp>
